--- a/Presentations/XKDL-LightningTalk.pptx
+++ b/Presentations/XKDL-LightningTalk.pptx
@@ -133,6 +133,11 @@
       </a:defRPr>
     </a:lvl9pPr>
   </p:defaultTextStyle>
+  <p:extLst>
+    <p:ext uri="{EFAFB233-063F-42B5-8137-9DF3F51BA10A}">
+      <p15:sldGuideLst xmlns:p15="http://schemas.microsoft.com/office/powerpoint/2012/main"/>
+    </p:ext>
+  </p:extLst>
 </p:presentation>
 </file>
 
@@ -5793,6 +5798,18 @@
   <p:clrMapOvr>
     <a:masterClrMapping/>
   </p:clrMapOvr>
+  <mc:AlternateContent xmlns:mc="http://schemas.openxmlformats.org/markup-compatibility/2006">
+    <mc:Choice xmlns:p14="http://schemas.microsoft.com/office/powerpoint/2010/main" Requires="p14">
+      <p:transition spd="med" p14:dur="700">
+        <p:fade/>
+      </p:transition>
+    </mc:Choice>
+    <mc:Fallback>
+      <p:transition spd="med">
+        <p:fade/>
+      </p:transition>
+    </mc:Fallback>
+  </mc:AlternateContent>
 </p:sld>
 </file>
 
@@ -5954,92 +5971,18 @@
   <p:clrMapOvr>
     <a:masterClrMapping/>
   </p:clrMapOvr>
-  <p:timing>
-    <p:tnLst>
-      <p:par>
-        <p:cTn id="1" dur="indefinite" restart="never" nodeType="tmRoot">
-          <p:childTnLst>
-            <p:seq concurrent="1" nextAc="seek">
-              <p:cTn id="2" dur="indefinite" nodeType="mainSeq">
-                <p:childTnLst>
-                  <p:par>
-                    <p:cTn id="3" fill="hold">
-                      <p:stCondLst>
-                        <p:cond delay="indefinite"/>
-                      </p:stCondLst>
-                      <p:childTnLst>
-                        <p:par>
-                          <p:cTn id="4" fill="hold">
-                            <p:stCondLst>
-                              <p:cond delay="0"/>
-                            </p:stCondLst>
-                            <p:childTnLst>
-                              <p:par>
-                                <p:cTn id="5" presetID="10" presetClass="entr" presetSubtype="0" fill="hold" grpId="0" nodeType="clickEffect">
-                                  <p:stCondLst>
-                                    <p:cond delay="0"/>
-                                  </p:stCondLst>
-                                  <p:childTnLst>
-                                    <p:set>
-                                      <p:cBhvr>
-                                        <p:cTn id="6" dur="1" fill="hold">
-                                          <p:stCondLst>
-                                            <p:cond delay="0"/>
-                                          </p:stCondLst>
-                                        </p:cTn>
-                                        <p:tgtEl>
-                                          <p:spTgt spid="4"/>
-                                        </p:tgtEl>
-                                        <p:attrNameLst>
-                                          <p:attrName>style.visibility</p:attrName>
-                                        </p:attrNameLst>
-                                      </p:cBhvr>
-                                      <p:to>
-                                        <p:strVal val="visible"/>
-                                      </p:to>
-                                    </p:set>
-                                    <p:animEffect transition="in" filter="fade">
-                                      <p:cBhvr>
-                                        <p:cTn id="7" dur="3250"/>
-                                        <p:tgtEl>
-                                          <p:spTgt spid="4"/>
-                                        </p:tgtEl>
-                                      </p:cBhvr>
-                                    </p:animEffect>
-                                  </p:childTnLst>
-                                </p:cTn>
-                              </p:par>
-                            </p:childTnLst>
-                          </p:cTn>
-                        </p:par>
-                      </p:childTnLst>
-                    </p:cTn>
-                  </p:par>
-                </p:childTnLst>
-              </p:cTn>
-              <p:prevCondLst>
-                <p:cond evt="onPrev" delay="0">
-                  <p:tgtEl>
-                    <p:sldTgt/>
-                  </p:tgtEl>
-                </p:cond>
-              </p:prevCondLst>
-              <p:nextCondLst>
-                <p:cond evt="onNext" delay="0">
-                  <p:tgtEl>
-                    <p:sldTgt/>
-                  </p:tgtEl>
-                </p:cond>
-              </p:nextCondLst>
-            </p:seq>
-          </p:childTnLst>
-        </p:cTn>
-      </p:par>
-    </p:tnLst>
-    <p:bldLst>
-      <p:bldP spid="4" grpId="0" animBg="1"/>
-    </p:bldLst>
-  </p:timing>
+  <mc:AlternateContent xmlns:mc="http://schemas.openxmlformats.org/markup-compatibility/2006">
+    <mc:Choice xmlns:p14="http://schemas.microsoft.com/office/powerpoint/2010/main" Requires="p14">
+      <p:transition spd="med" p14:dur="700">
+        <p:fade/>
+      </p:transition>
+    </mc:Choice>
+    <mc:Fallback>
+      <p:transition spd="med">
+        <p:fade/>
+      </p:transition>
+    </mc:Fallback>
+  </mc:AlternateContent>
 </p:sld>
 </file>
 
@@ -9247,13 +9190,13 @@
   <p:clrMapOvr>
     <a:masterClrMapping/>
   </p:clrMapOvr>
-  <mc:AlternateContent xmlns:mc="http://schemas.openxmlformats.org/markup-compatibility/2006">
-    <mc:Choice xmlns:p159="http://schemas.microsoft.com/office/powerpoint/2015/09/main" Requires="p159">
+  <mc:AlternateContent xmlns:mc="http://schemas.openxmlformats.org/markup-compatibility/2006" xmlns:p159="http://schemas.microsoft.com/office/powerpoint/2015/09/main">
+    <mc:Choice Requires="p159">
       <p:transition xmlns:p14="http://schemas.microsoft.com/office/powerpoint/2010/main" spd="slow" p14:dur="2000">
         <p159:morph option="byWord"/>
       </p:transition>
     </mc:Choice>
-    <mc:Fallback>
+    <mc:Fallback xmlns="">
       <p:transition spd="slow">
         <p:fade/>
       </p:transition>
@@ -10578,13 +10521,13 @@
   <p:clrMapOvr>
     <a:masterClrMapping/>
   </p:clrMapOvr>
-  <mc:AlternateContent xmlns:mc="http://schemas.openxmlformats.org/markup-compatibility/2006">
-    <mc:Choice xmlns:p159="http://schemas.microsoft.com/office/powerpoint/2015/09/main" Requires="p159">
+  <mc:AlternateContent xmlns:mc="http://schemas.openxmlformats.org/markup-compatibility/2006" xmlns:p159="http://schemas.microsoft.com/office/powerpoint/2015/09/main">
+    <mc:Choice Requires="p159">
       <p:transition xmlns:p14="http://schemas.microsoft.com/office/powerpoint/2010/main" spd="slow" p14:dur="2000">
         <p159:morph option="byWord"/>
       </p:transition>
     </mc:Choice>
-    <mc:Fallback>
+    <mc:Fallback xmlns="">
       <p:transition spd="slow">
         <p:fade/>
       </p:transition>
@@ -11804,13 +11747,13 @@
   <p:clrMapOvr>
     <a:masterClrMapping/>
   </p:clrMapOvr>
-  <mc:AlternateContent xmlns:mc="http://schemas.openxmlformats.org/markup-compatibility/2006">
-    <mc:Choice xmlns:p159="http://schemas.microsoft.com/office/powerpoint/2015/09/main" Requires="p159">
+  <mc:AlternateContent xmlns:mc="http://schemas.openxmlformats.org/markup-compatibility/2006" xmlns:p159="http://schemas.microsoft.com/office/powerpoint/2015/09/main">
+    <mc:Choice Requires="p159">
       <p:transition xmlns:p14="http://schemas.microsoft.com/office/powerpoint/2010/main" spd="slow" p14:dur="2000">
         <p159:morph option="byWord"/>
       </p:transition>
     </mc:Choice>
-    <mc:Fallback>
+    <mc:Fallback xmlns="">
       <p:transition spd="slow">
         <p:fade/>
       </p:transition>
@@ -13043,13 +12986,13 @@
   <p:clrMapOvr>
     <a:masterClrMapping/>
   </p:clrMapOvr>
-  <mc:AlternateContent xmlns:mc="http://schemas.openxmlformats.org/markup-compatibility/2006">
-    <mc:Choice xmlns:p159="http://schemas.microsoft.com/office/powerpoint/2015/09/main" Requires="p159">
+  <mc:AlternateContent xmlns:mc="http://schemas.openxmlformats.org/markup-compatibility/2006" xmlns:p159="http://schemas.microsoft.com/office/powerpoint/2015/09/main">
+    <mc:Choice Requires="p159">
       <p:transition xmlns:p14="http://schemas.microsoft.com/office/powerpoint/2010/main" spd="slow" p14:dur="2000">
         <p159:morph option="byChar"/>
       </p:transition>
     </mc:Choice>
-    <mc:Fallback>
+    <mc:Fallback xmlns="">
       <p:transition spd="slow">
         <p:fade/>
       </p:transition>
@@ -16473,9 +16416,18 @@
   <p:clrMapOvr>
     <a:masterClrMapping/>
   </p:clrMapOvr>
-  <p:transition spd="med">
-    <p:pull/>
-  </p:transition>
+  <mc:AlternateContent xmlns:mc="http://schemas.openxmlformats.org/markup-compatibility/2006">
+    <mc:Choice xmlns:p159="http://schemas.microsoft.com/office/powerpoint/2015/09/main" Requires="p159">
+      <p:transition xmlns:p14="http://schemas.microsoft.com/office/powerpoint/2010/main" spd="slow" p14:dur="2000">
+        <p159:morph option="byWord"/>
+      </p:transition>
+    </mc:Choice>
+    <mc:Fallback>
+      <p:transition spd="slow">
+        <p:fade/>
+      </p:transition>
+    </mc:Fallback>
+  </mc:AlternateContent>
 </p:sld>
 </file>
 
@@ -16988,13 +16940,13 @@
   <p:clrMapOvr>
     <a:masterClrMapping/>
   </p:clrMapOvr>
-  <mc:AlternateContent xmlns:mc="http://schemas.openxmlformats.org/markup-compatibility/2006">
-    <mc:Choice xmlns:p14="http://schemas.microsoft.com/office/powerpoint/2010/main" Requires="p14">
+  <mc:AlternateContent xmlns:mc="http://schemas.openxmlformats.org/markup-compatibility/2006" xmlns:p14="http://schemas.microsoft.com/office/powerpoint/2010/main">
+    <mc:Choice Requires="p14">
       <p:transition spd="slow">
         <p14:flash/>
       </p:transition>
     </mc:Choice>
-    <mc:Fallback>
+    <mc:Fallback xmlns="">
       <p:transition spd="slow">
         <p:fade/>
       </p:transition>
@@ -19159,13 +19111,13 @@
   <p:clrMapOvr>
     <a:masterClrMapping/>
   </p:clrMapOvr>
-  <mc:AlternateContent xmlns:mc="http://schemas.openxmlformats.org/markup-compatibility/2006">
-    <mc:Choice xmlns:p159="http://schemas.microsoft.com/office/powerpoint/2015/09/main" Requires="p159">
+  <mc:AlternateContent xmlns:mc="http://schemas.openxmlformats.org/markup-compatibility/2006" xmlns:p159="http://schemas.microsoft.com/office/powerpoint/2015/09/main">
+    <mc:Choice Requires="p159">
       <p:transition xmlns:p14="http://schemas.microsoft.com/office/powerpoint/2010/main" spd="slow" p14:dur="2000">
         <p159:morph option="byWord"/>
       </p:transition>
     </mc:Choice>
-    <mc:Fallback>
+    <mc:Fallback xmlns="">
       <p:transition spd="slow">
         <p:fade/>
       </p:transition>
@@ -20126,13 +20078,13 @@
   <p:clrMapOvr>
     <a:masterClrMapping/>
   </p:clrMapOvr>
-  <mc:AlternateContent xmlns:mc="http://schemas.openxmlformats.org/markup-compatibility/2006">
-    <mc:Choice xmlns:p159="http://schemas.microsoft.com/office/powerpoint/2015/09/main" Requires="p159">
+  <mc:AlternateContent xmlns:mc="http://schemas.openxmlformats.org/markup-compatibility/2006" xmlns:p159="http://schemas.microsoft.com/office/powerpoint/2015/09/main">
+    <mc:Choice Requires="p159">
       <p:transition xmlns:p14="http://schemas.microsoft.com/office/powerpoint/2010/main" spd="slow" p14:dur="2000">
         <p159:morph option="byWord"/>
       </p:transition>
     </mc:Choice>
-    <mc:Fallback>
+    <mc:Fallback xmlns="">
       <p:transition spd="slow">
         <p:fade/>
       </p:transition>
@@ -21176,13 +21128,13 @@
   <p:clrMapOvr>
     <a:masterClrMapping/>
   </p:clrMapOvr>
-  <mc:AlternateContent xmlns:mc="http://schemas.openxmlformats.org/markup-compatibility/2006">
-    <mc:Choice xmlns:p159="http://schemas.microsoft.com/office/powerpoint/2015/09/main" Requires="p159">
+  <mc:AlternateContent xmlns:mc="http://schemas.openxmlformats.org/markup-compatibility/2006" xmlns:p159="http://schemas.microsoft.com/office/powerpoint/2015/09/main">
+    <mc:Choice Requires="p159">
       <p:transition xmlns:p14="http://schemas.microsoft.com/office/powerpoint/2010/main" spd="slow" p14:dur="2000">
         <p159:morph option="byWord"/>
       </p:transition>
     </mc:Choice>
-    <mc:Fallback>
+    <mc:Fallback xmlns="">
       <p:transition spd="slow">
         <p:fade/>
       </p:transition>
@@ -21703,13 +21655,13 @@
   <p:clrMapOvr>
     <a:masterClrMapping/>
   </p:clrMapOvr>
-  <mc:AlternateContent xmlns:mc="http://schemas.openxmlformats.org/markup-compatibility/2006">
-    <mc:Choice xmlns:p159="http://schemas.microsoft.com/office/powerpoint/2015/09/main" Requires="p159">
+  <mc:AlternateContent xmlns:mc="http://schemas.openxmlformats.org/markup-compatibility/2006" xmlns:p159="http://schemas.microsoft.com/office/powerpoint/2015/09/main">
+    <mc:Choice Requires="p159">
       <p:transition xmlns:p14="http://schemas.microsoft.com/office/powerpoint/2010/main" spd="slow" p14:dur="2000">
         <p159:morph option="byChar"/>
       </p:transition>
     </mc:Choice>
-    <mc:Fallback>
+    <mc:Fallback xmlns="">
       <p:transition spd="slow">
         <p:fade/>
       </p:transition>
@@ -21920,13 +21872,13 @@
   <p:clrMapOvr>
     <a:masterClrMapping/>
   </p:clrMapOvr>
-  <mc:AlternateContent xmlns:mc="http://schemas.openxmlformats.org/markup-compatibility/2006">
-    <mc:Choice xmlns:p159="http://schemas.microsoft.com/office/powerpoint/2015/09/main" Requires="p159">
+  <mc:AlternateContent xmlns:mc="http://schemas.openxmlformats.org/markup-compatibility/2006" xmlns:p159="http://schemas.microsoft.com/office/powerpoint/2015/09/main">
+    <mc:Choice Requires="p159">
       <p:transition xmlns:p14="http://schemas.microsoft.com/office/powerpoint/2010/main" spd="slow" p14:dur="2000">
         <p159:morph option="byWord"/>
       </p:transition>
     </mc:Choice>
-    <mc:Fallback>
+    <mc:Fallback xmlns="">
       <p:transition spd="slow">
         <p:fade/>
       </p:transition>
@@ -25115,6 +25067,9 @@
   <p:clrMapOvr>
     <a:masterClrMapping/>
   </p:clrMapOvr>
+  <p:transition spd="slow">
+    <p:push dir="u"/>
+  </p:transition>
 </p:sld>
 </file>
 
@@ -26950,13 +26905,13 @@
   <p:clrMapOvr>
     <a:masterClrMapping/>
   </p:clrMapOvr>
-  <mc:AlternateContent xmlns:mc="http://schemas.openxmlformats.org/markup-compatibility/2006">
-    <mc:Choice xmlns:p159="http://schemas.microsoft.com/office/powerpoint/2015/09/main" Requires="p159">
+  <mc:AlternateContent xmlns:mc="http://schemas.openxmlformats.org/markup-compatibility/2006" xmlns:p159="http://schemas.microsoft.com/office/powerpoint/2015/09/main">
+    <mc:Choice Requires="p159">
       <p:transition xmlns:p14="http://schemas.microsoft.com/office/powerpoint/2010/main" spd="slow" p14:dur="2000">
         <p159:morph option="byWord"/>
       </p:transition>
     </mc:Choice>
-    <mc:Fallback>
+    <mc:Fallback xmlns="">
       <p:transition spd="slow">
         <p:fade/>
       </p:transition>
@@ -27118,6 +27073,9 @@
   <p:clrMapOvr>
     <a:masterClrMapping/>
   </p:clrMapOvr>
+  <p:transition spd="slow">
+    <p:push dir="r"/>
+  </p:transition>
 </p:sld>
 </file>
 
@@ -27279,6 +27237,9 @@
   <p:clrMapOvr>
     <a:masterClrMapping/>
   </p:clrMapOvr>
+  <p:transition spd="slow">
+    <p:push/>
+  </p:transition>
   <p:timing>
     <p:tnLst>
       <p:par>
@@ -27490,6 +27451,18 @@
   <p:clrMapOvr>
     <a:masterClrMapping/>
   </p:clrMapOvr>
+  <mc:AlternateContent xmlns:mc="http://schemas.openxmlformats.org/markup-compatibility/2006">
+    <mc:Choice xmlns:p14="http://schemas.microsoft.com/office/powerpoint/2010/main" Requires="p14">
+      <p:transition spd="med" p14:dur="700">
+        <p:fade/>
+      </p:transition>
+    </mc:Choice>
+    <mc:Fallback>
+      <p:transition spd="med">
+        <p:fade/>
+      </p:transition>
+    </mc:Fallback>
+  </mc:AlternateContent>
 </p:sld>
 </file>
 
